--- a/Interim Presentation.pptx
+++ b/Interim Presentation.pptx
@@ -110,6 +110,11 @@
       </a:defRPr>
     </a:lvl9pPr>
   </p:defaultTextStyle>
+  <p:extLst>
+    <p:ext uri="{EFAFB233-063F-42B5-8137-9DF3F51BA10A}">
+      <p15:sldGuideLst xmlns:p15="http://schemas.microsoft.com/office/powerpoint/2012/main"/>
+    </p:ext>
+  </p:extLst>
 </p:presentation>
 </file>
 
@@ -281,7 +286,7 @@
           <a:p>
             <a:fld id="{CA018007-F527-42C2-B98C-CEE73220AA5F}" type="datetimeFigureOut">
               <a:rPr lang="en-GB" smtClean="0"/>
-              <a:t>12/11/2019</a:t>
+              <a:t>13/11/2019</a:t>
             </a:fld>
             <a:endParaRPr lang="en-GB"/>
           </a:p>
@@ -509,7 +514,7 @@
           <a:p>
             <a:fld id="{CA018007-F527-42C2-B98C-CEE73220AA5F}" type="datetimeFigureOut">
               <a:rPr lang="en-GB" smtClean="0"/>
-              <a:t>12/11/2019</a:t>
+              <a:t>13/11/2019</a:t>
             </a:fld>
             <a:endParaRPr lang="en-GB"/>
           </a:p>
@@ -689,7 +694,7 @@
           <a:p>
             <a:fld id="{CA018007-F527-42C2-B98C-CEE73220AA5F}" type="datetimeFigureOut">
               <a:rPr lang="en-GB" smtClean="0"/>
-              <a:t>12/11/2019</a:t>
+              <a:t>13/11/2019</a:t>
             </a:fld>
             <a:endParaRPr lang="en-GB"/>
           </a:p>
@@ -859,7 +864,7 @@
           <a:p>
             <a:fld id="{CA018007-F527-42C2-B98C-CEE73220AA5F}" type="datetimeFigureOut">
               <a:rPr lang="en-GB" smtClean="0"/>
-              <a:t>12/11/2019</a:t>
+              <a:t>13/11/2019</a:t>
             </a:fld>
             <a:endParaRPr lang="en-GB"/>
           </a:p>
@@ -1113,7 +1118,7 @@
           <a:p>
             <a:fld id="{CA018007-F527-42C2-B98C-CEE73220AA5F}" type="datetimeFigureOut">
               <a:rPr lang="en-GB" smtClean="0"/>
-              <a:t>12/11/2019</a:t>
+              <a:t>13/11/2019</a:t>
             </a:fld>
             <a:endParaRPr lang="en-GB"/>
           </a:p>
@@ -1439,7 +1444,7 @@
           <a:p>
             <a:fld id="{CA018007-F527-42C2-B98C-CEE73220AA5F}" type="datetimeFigureOut">
               <a:rPr lang="en-GB" smtClean="0"/>
-              <a:t>12/11/2019</a:t>
+              <a:t>13/11/2019</a:t>
             </a:fld>
             <a:endParaRPr lang="en-GB"/>
           </a:p>
@@ -1890,7 +1895,7 @@
           <a:p>
             <a:fld id="{CA018007-F527-42C2-B98C-CEE73220AA5F}" type="datetimeFigureOut">
               <a:rPr lang="en-GB" smtClean="0"/>
-              <a:t>12/11/2019</a:t>
+              <a:t>13/11/2019</a:t>
             </a:fld>
             <a:endParaRPr lang="en-GB"/>
           </a:p>
@@ -2008,7 +2013,7 @@
           <a:p>
             <a:fld id="{CA018007-F527-42C2-B98C-CEE73220AA5F}" type="datetimeFigureOut">
               <a:rPr lang="en-GB" smtClean="0"/>
-              <a:t>12/11/2019</a:t>
+              <a:t>13/11/2019</a:t>
             </a:fld>
             <a:endParaRPr lang="en-GB"/>
           </a:p>
@@ -2103,7 +2108,7 @@
           <a:p>
             <a:fld id="{CA018007-F527-42C2-B98C-CEE73220AA5F}" type="datetimeFigureOut">
               <a:rPr lang="en-GB" smtClean="0"/>
-              <a:t>12/11/2019</a:t>
+              <a:t>13/11/2019</a:t>
             </a:fld>
             <a:endParaRPr lang="en-GB"/>
           </a:p>
@@ -2390,7 +2395,7 @@
           <a:p>
             <a:fld id="{CA018007-F527-42C2-B98C-CEE73220AA5F}" type="datetimeFigureOut">
               <a:rPr lang="en-GB" smtClean="0"/>
-              <a:t>12/11/2019</a:t>
+              <a:t>13/11/2019</a:t>
             </a:fld>
             <a:endParaRPr lang="en-GB"/>
           </a:p>
@@ -2712,7 +2717,7 @@
           <a:p>
             <a:fld id="{CA018007-F527-42C2-B98C-CEE73220AA5F}" type="datetimeFigureOut">
               <a:rPr lang="en-GB" smtClean="0"/>
-              <a:t>12/11/2019</a:t>
+              <a:t>13/11/2019</a:t>
             </a:fld>
             <a:endParaRPr lang="en-GB"/>
           </a:p>
@@ -2966,7 +2971,7 @@
           <a:p>
             <a:fld id="{CA018007-F527-42C2-B98C-CEE73220AA5F}" type="datetimeFigureOut">
               <a:rPr lang="en-GB" smtClean="0"/>
-              <a:t>12/11/2019</a:t>
+              <a:t>13/11/2019</a:t>
             </a:fld>
             <a:endParaRPr lang="en-GB"/>
           </a:p>
@@ -3818,7 +3823,12 @@
             <p:ph idx="1"/>
           </p:nvPr>
         </p:nvSpPr>
-        <p:spPr/>
+        <p:spPr>
+          <a:xfrm>
+            <a:off x="1211706" y="1828800"/>
+            <a:ext cx="8595360" cy="4351337"/>
+          </a:xfrm>
+        </p:spPr>
         <p:txBody>
           <a:bodyPr/>
           <a:lstStyle/>
@@ -3831,11 +3841,13 @@
           <a:p>
             <a:r>
               <a:rPr lang="en-GB" dirty="0"/>
-              <a:t>A chatbot for Wikipedia gives fast access to a huge knowledge </a:t>
-            </a:r>
-            <a:r>
-              <a:rPr lang="en-GB"/>
-              <a:t>base for users</a:t>
+              <a:t>A chatbot for Wikipedia gives fast access to a huge knowledge base for users</a:t>
+            </a:r>
+          </a:p>
+          <a:p>
+            <a:r>
+              <a:rPr lang="en-GB" dirty="0"/>
+              <a:t>If the implementation is successful, could be adapted to other datasets – e.g. Frequently Asked Questions, or knowledge bases for companies</a:t>
             </a:r>
           </a:p>
           <a:p>
@@ -3843,6 +3855,52 @@
           </a:p>
         </p:txBody>
       </p:sp>
+      <p:pic>
+        <p:nvPicPr>
+          <p:cNvPr id="6" name="Picture 4" descr="https://upload.wikimedia.org/wikipedia/en/thumb/8/80/Wikipedia-logo-v2.svg/1024px-Wikipedia-logo-v2.svg.png">
+            <a:extLst>
+              <a:ext uri="{FF2B5EF4-FFF2-40B4-BE49-F238E27FC236}">
+                <a16:creationId xmlns:a16="http://schemas.microsoft.com/office/drawing/2014/main" id="{56564454-4A3C-4C91-8311-FB98D9713455}"/>
+              </a:ext>
+            </a:extLst>
+          </p:cNvPr>
+          <p:cNvPicPr>
+            <a:picLocks noChangeAspect="1" noChangeArrowheads="1"/>
+          </p:cNvPicPr>
+          <p:nvPr/>
+        </p:nvPicPr>
+        <p:blipFill>
+          <a:blip r:embed="rId2">
+            <a:extLst>
+              <a:ext uri="{28A0092B-C50C-407E-A947-70E740481C1C}">
+                <a14:useLocalDpi xmlns:a14="http://schemas.microsoft.com/office/drawing/2010/main" val="0"/>
+              </a:ext>
+            </a:extLst>
+          </a:blip>
+          <a:stretch>
+            <a:fillRect/>
+          </a:stretch>
+        </p:blipFill>
+        <p:spPr bwMode="auto">
+          <a:xfrm>
+            <a:off x="4017005" y="3835131"/>
+            <a:ext cx="2993396" cy="2731473"/>
+          </a:xfrm>
+          <a:prstGeom prst="rect">
+            <a:avLst/>
+          </a:prstGeom>
+          <a:noFill/>
+          <a:extLst>
+            <a:ext uri="{909E8E84-426E-40DD-AFC4-6F175D3DCCD1}">
+              <a14:hiddenFill xmlns:a14="http://schemas.microsoft.com/office/drawing/2010/main">
+                <a:solidFill>
+                  <a:srgbClr val="FFFFFF"/>
+                </a:solidFill>
+              </a14:hiddenFill>
+            </a:ext>
+          </a:extLst>
+        </p:spPr>
+      </p:pic>
     </p:spTree>
     <p:extLst>
       <p:ext uri="{BB962C8B-B14F-4D97-AF65-F5344CB8AC3E}">
@@ -3966,8 +4024,11 @@
             </a:r>
             <a:r>
               <a:rPr lang="en-GB" dirty="0"/>
-              <a:t>  Alan Turing dataset</a:t>
-            </a:r>
+              <a:t> ‘Alan Turing’ record</a:t>
+            </a:r>
+          </a:p>
+          <a:p>
+            <a:endParaRPr lang="en-GB" dirty="0"/>
           </a:p>
           <a:p>
             <a:endParaRPr lang="en-GB" dirty="0"/>
@@ -4013,12 +4074,42 @@
         </p:blipFill>
         <p:spPr>
           <a:xfrm>
-            <a:off x="2334769" y="3429000"/>
+            <a:off x="2334768" y="3521279"/>
             <a:ext cx="4862986" cy="587945"/>
           </a:xfrm>
           <a:prstGeom prst="rect">
             <a:avLst/>
           </a:prstGeom>
+          <a:solidFill>
+            <a:srgbClr val="FFFFFF">
+              <a:shade val="85000"/>
+            </a:srgbClr>
+          </a:solidFill>
+          <a:ln w="88900" cap="sq">
+            <a:solidFill>
+              <a:srgbClr val="FFFFFF"/>
+            </a:solidFill>
+            <a:miter lim="800000"/>
+          </a:ln>
+          <a:effectLst>
+            <a:outerShdw blurRad="55000" dist="18000" dir="5400000" algn="tl" rotWithShape="0">
+              <a:srgbClr val="000000">
+                <a:alpha val="40000"/>
+              </a:srgbClr>
+            </a:outerShdw>
+          </a:effectLst>
+          <a:scene3d>
+            <a:camera prst="orthographicFront"/>
+            <a:lightRig rig="twoPt" dir="t">
+              <a:rot lat="0" lon="0" rev="7200000"/>
+            </a:lightRig>
+          </a:scene3d>
+          <a:sp3d>
+            <a:bevelT w="25400" h="19050"/>
+            <a:contourClr>
+              <a:srgbClr val="FFFFFF"/>
+            </a:contourClr>
+          </a:sp3d>
         </p:spPr>
       </p:pic>
       <p:pic>
@@ -4084,6 +4175,14 @@
 <file path=ppt/slides/slide5.xml><?xml version="1.0" encoding="utf-8"?>
 <p:sld xmlns:a="http://schemas.openxmlformats.org/drawingml/2006/main" xmlns:r="http://schemas.openxmlformats.org/officeDocument/2006/relationships" xmlns:p="http://schemas.openxmlformats.org/presentationml/2006/main">
   <p:cSld>
+    <p:bg>
+      <p:bgPr>
+        <a:solidFill>
+          <a:schemeClr val="bg1"/>
+        </a:solidFill>
+        <a:effectLst/>
+      </p:bgPr>
+    </p:bg>
     <p:spTree>
       <p:nvGrpSpPr>
         <p:cNvPr id="1" name=""/>
@@ -4114,9 +4213,16 @@
             <p:ph type="title"/>
           </p:nvPr>
         </p:nvSpPr>
-        <p:spPr/>
-        <p:txBody>
-          <a:bodyPr/>
+        <p:spPr>
+          <a:xfrm>
+            <a:off x="1261872" y="640081"/>
+            <a:ext cx="4954920" cy="1606948"/>
+          </a:xfrm>
+        </p:spPr>
+        <p:txBody>
+          <a:bodyPr>
+            <a:normAutofit/>
+          </a:bodyPr>
           <a:lstStyle/>
           <a:p>
             <a:r>
@@ -4142,15 +4248,164 @@
             <p:ph idx="1"/>
           </p:nvPr>
         </p:nvSpPr>
-        <p:spPr/>
-        <p:txBody>
-          <a:bodyPr/>
-          <a:lstStyle/>
-          <a:p>
-            <a:endParaRPr lang="en-GB"/>
-          </a:p>
-        </p:txBody>
-      </p:sp>
+        <p:spPr>
+          <a:xfrm>
+            <a:off x="1261872" y="2560106"/>
+            <a:ext cx="4954920" cy="3724805"/>
+          </a:xfrm>
+        </p:spPr>
+        <p:txBody>
+          <a:bodyPr>
+            <a:normAutofit fontScale="92500" lnSpcReduction="10000"/>
+          </a:bodyPr>
+          <a:lstStyle/>
+          <a:p>
+            <a:pPr>
+              <a:lnSpc>
+                <a:spcPct val="150000"/>
+              </a:lnSpc>
+            </a:pPr>
+            <a:r>
+              <a:rPr lang="en-GB" dirty="0"/>
+              <a:t>Current Solutions</a:t>
+            </a:r>
+          </a:p>
+          <a:p>
+            <a:pPr lvl="1"/>
+            <a:r>
+              <a:rPr lang="en-GB" dirty="0" err="1"/>
+              <a:t>DBPedia</a:t>
+            </a:r>
+            <a:r>
+              <a:rPr lang="en-GB" dirty="0"/>
+              <a:t> Chatbot</a:t>
+            </a:r>
+          </a:p>
+          <a:p>
+            <a:pPr lvl="2"/>
+            <a:r>
+              <a:rPr lang="en-GB" dirty="0"/>
+              <a:t>Not properly implemented – only answers a couple of sample questions</a:t>
+            </a:r>
+          </a:p>
+          <a:p>
+            <a:pPr marL="548640" lvl="2" indent="0">
+              <a:buNone/>
+            </a:pPr>
+            <a:endParaRPr lang="en-GB" dirty="0"/>
+          </a:p>
+          <a:p>
+            <a:pPr lvl="1"/>
+            <a:r>
+              <a:rPr lang="en-GB" dirty="0"/>
+              <a:t>Google Assistant / Google Search</a:t>
+            </a:r>
+          </a:p>
+          <a:p>
+            <a:pPr lvl="2"/>
+            <a:r>
+              <a:rPr lang="en-GB" dirty="0"/>
+              <a:t>Very effective but very broad</a:t>
+            </a:r>
+          </a:p>
+          <a:p>
+            <a:pPr lvl="2"/>
+            <a:r>
+              <a:rPr lang="en-GB" dirty="0"/>
+              <a:t>Closed source</a:t>
+            </a:r>
+          </a:p>
+          <a:p>
+            <a:pPr lvl="2"/>
+            <a:endParaRPr lang="en-GB" dirty="0"/>
+          </a:p>
+          <a:p>
+            <a:r>
+              <a:rPr lang="en-GB" dirty="0"/>
+              <a:t>Implementation</a:t>
+            </a:r>
+          </a:p>
+          <a:p>
+            <a:pPr lvl="1"/>
+            <a:r>
+              <a:rPr lang="en-GB" dirty="0"/>
+              <a:t>Java with AIML - Artificial Intelligence Modelling Language</a:t>
+            </a:r>
+          </a:p>
+          <a:p>
+            <a:pPr lvl="1"/>
+            <a:r>
+              <a:rPr lang="en-GB" dirty="0"/>
+              <a:t>Scalable, many effective libraries for chatbots e.g. Google’s </a:t>
+            </a:r>
+            <a:r>
+              <a:rPr lang="en-GB" dirty="0" err="1"/>
+              <a:t>ProgramAB</a:t>
+            </a:r>
+            <a:endParaRPr lang="en-GB" dirty="0"/>
+          </a:p>
+        </p:txBody>
+      </p:sp>
+      <p:pic>
+        <p:nvPicPr>
+          <p:cNvPr id="5" name="Picture 4">
+            <a:extLst>
+              <a:ext uri="{FF2B5EF4-FFF2-40B4-BE49-F238E27FC236}">
+                <a16:creationId xmlns:a16="http://schemas.microsoft.com/office/drawing/2014/main" id="{9E6708E7-C592-4FA1-B954-46ED3C30B8F8}"/>
+              </a:ext>
+            </a:extLst>
+          </p:cNvPr>
+          <p:cNvPicPr>
+            <a:picLocks noChangeAspect="1"/>
+          </p:cNvPicPr>
+          <p:nvPr/>
+        </p:nvPicPr>
+        <p:blipFill>
+          <a:blip r:embed="rId2"/>
+          <a:stretch>
+            <a:fillRect/>
+          </a:stretch>
+        </p:blipFill>
+        <p:spPr>
+          <a:xfrm>
+            <a:off x="6928654" y="3799505"/>
+            <a:ext cx="2760291" cy="3058495"/>
+          </a:xfrm>
+          <a:prstGeom prst="rect">
+            <a:avLst/>
+          </a:prstGeom>
+        </p:spPr>
+      </p:pic>
+      <p:pic>
+        <p:nvPicPr>
+          <p:cNvPr id="4" name="Picture 3">
+            <a:extLst>
+              <a:ext uri="{FF2B5EF4-FFF2-40B4-BE49-F238E27FC236}">
+                <a16:creationId xmlns:a16="http://schemas.microsoft.com/office/drawing/2014/main" id="{56C77A7E-6681-4B9C-9BD1-BD10AD1A4387}"/>
+              </a:ext>
+            </a:extLst>
+          </p:cNvPr>
+          <p:cNvPicPr>
+            <a:picLocks noChangeAspect="1"/>
+          </p:cNvPicPr>
+          <p:nvPr/>
+        </p:nvPicPr>
+        <p:blipFill>
+          <a:blip r:embed="rId3"/>
+          <a:stretch>
+            <a:fillRect/>
+          </a:stretch>
+        </p:blipFill>
+        <p:spPr>
+          <a:xfrm>
+            <a:off x="6216792" y="640081"/>
+            <a:ext cx="4358844" cy="3029397"/>
+          </a:xfrm>
+          <a:prstGeom prst="rect">
+            <a:avLst/>
+          </a:prstGeom>
+        </p:spPr>
+      </p:pic>
     </p:spTree>
     <p:extLst>
       <p:ext uri="{BB962C8B-B14F-4D97-AF65-F5344CB8AC3E}">
@@ -4197,7 +4452,12 @@
             <p:ph type="title"/>
           </p:nvPr>
         </p:nvSpPr>
-        <p:spPr/>
+        <p:spPr>
+          <a:xfrm>
+            <a:off x="1261872" y="365760"/>
+            <a:ext cx="9692640" cy="705658"/>
+          </a:xfrm>
+        </p:spPr>
         <p:txBody>
           <a:bodyPr/>
           <a:lstStyle/>
@@ -4209,31 +4469,66 @@
           </a:p>
         </p:txBody>
       </p:sp>
-      <p:sp>
-        <p:nvSpPr>
-          <p:cNvPr id="3" name="Content Placeholder 2">
+      <p:pic>
+        <p:nvPicPr>
+          <p:cNvPr id="5" name="Picture 4">
             <a:extLst>
               <a:ext uri="{FF2B5EF4-FFF2-40B4-BE49-F238E27FC236}">
-                <a16:creationId xmlns:a16="http://schemas.microsoft.com/office/drawing/2014/main" id="{7B53212C-6D2C-4810-A8A1-53627CAC20A4}"/>
+                <a16:creationId xmlns:a16="http://schemas.microsoft.com/office/drawing/2014/main" id="{A2A639CE-F911-44C0-8CA7-699F6CF00FD7}"/>
               </a:ext>
             </a:extLst>
           </p:cNvPr>
-          <p:cNvSpPr>
-            <a:spLocks noGrp="1"/>
-          </p:cNvSpPr>
-          <p:nvPr>
-            <p:ph idx="1"/>
-          </p:nvPr>
-        </p:nvSpPr>
-        <p:spPr/>
-        <p:txBody>
-          <a:bodyPr/>
-          <a:lstStyle/>
-          <a:p>
-            <a:endParaRPr lang="en-GB" dirty="0"/>
-          </a:p>
-        </p:txBody>
-      </p:sp>
+          <p:cNvPicPr>
+            <a:picLocks noChangeAspect="1"/>
+          </p:cNvPicPr>
+          <p:nvPr/>
+        </p:nvPicPr>
+        <p:blipFill>
+          <a:blip r:embed="rId2"/>
+          <a:stretch>
+            <a:fillRect/>
+          </a:stretch>
+        </p:blipFill>
+        <p:spPr>
+          <a:xfrm>
+            <a:off x="1590835" y="1071418"/>
+            <a:ext cx="7937433" cy="5524634"/>
+          </a:xfrm>
+          <a:prstGeom prst="rect">
+            <a:avLst/>
+          </a:prstGeom>
+        </p:spPr>
+      </p:pic>
+      <p:pic>
+        <p:nvPicPr>
+          <p:cNvPr id="6" name="Picture 5">
+            <a:extLst>
+              <a:ext uri="{FF2B5EF4-FFF2-40B4-BE49-F238E27FC236}">
+                <a16:creationId xmlns:a16="http://schemas.microsoft.com/office/drawing/2014/main" id="{A9EC9357-DAD7-4AD6-B5E8-870F55D52696}"/>
+              </a:ext>
+            </a:extLst>
+          </p:cNvPr>
+          <p:cNvPicPr>
+            <a:picLocks noChangeAspect="1"/>
+          </p:cNvPicPr>
+          <p:nvPr/>
+        </p:nvPicPr>
+        <p:blipFill>
+          <a:blip r:embed="rId3"/>
+          <a:stretch>
+            <a:fillRect/>
+          </a:stretch>
+        </p:blipFill>
+        <p:spPr>
+          <a:xfrm>
+            <a:off x="1276121" y="987186"/>
+            <a:ext cx="8252148" cy="5870813"/>
+          </a:xfrm>
+          <a:prstGeom prst="rect">
+            <a:avLst/>
+          </a:prstGeom>
+        </p:spPr>
+      </p:pic>
     </p:spTree>
     <p:extLst>
       <p:ext uri="{BB962C8B-B14F-4D97-AF65-F5344CB8AC3E}">

--- a/Interim Presentation.pptx
+++ b/Interim Presentation.pptx
@@ -4336,11 +4336,11 @@
             <a:pPr lvl="1"/>
             <a:r>
               <a:rPr lang="en-GB" dirty="0"/>
-              <a:t>Scalable, many effective libraries for chatbots e.g. Google’s </a:t>
-            </a:r>
-            <a:r>
-              <a:rPr lang="en-GB" dirty="0" err="1"/>
-              <a:t>ProgramAB</a:t>
+              <a:t>Scalable, many effective libraries for chatbots e.g. </a:t>
+            </a:r>
+            <a:r>
+              <a:rPr lang="en-GB"/>
+              <a:t>Program AB</a:t>
             </a:r>
             <a:endParaRPr lang="en-GB" dirty="0"/>
           </a:p>
